--- a/assets/vagrant.pptx
+++ b/assets/vagrant.pptx
@@ -7,28 +7,29 @@
     <p:sldMasterId id="2147483660" r:id="rId7"/>
   </p:sldMasterIdLst>
   <p:notesMasterIdLst>
-    <p:notesMasterId r:id="rId27"/>
+    <p:notesMasterId r:id="rId28"/>
   </p:notesMasterIdLst>
   <p:sldIdLst>
     <p:sldId id="256" r:id="rId8"/>
     <p:sldId id="257" r:id="rId9"/>
-    <p:sldId id="260" r:id="rId10"/>
-    <p:sldId id="268" r:id="rId11"/>
-    <p:sldId id="261" r:id="rId12"/>
-    <p:sldId id="262" r:id="rId13"/>
-    <p:sldId id="266" r:id="rId14"/>
-    <p:sldId id="263" r:id="rId15"/>
-    <p:sldId id="269" r:id="rId16"/>
-    <p:sldId id="270" r:id="rId17"/>
-    <p:sldId id="264" r:id="rId18"/>
-    <p:sldId id="271" r:id="rId19"/>
-    <p:sldId id="272" r:id="rId20"/>
-    <p:sldId id="273" r:id="rId21"/>
-    <p:sldId id="265" r:id="rId22"/>
-    <p:sldId id="267" r:id="rId23"/>
-    <p:sldId id="274" r:id="rId24"/>
-    <p:sldId id="275" r:id="rId25"/>
-    <p:sldId id="258" r:id="rId26"/>
+    <p:sldId id="276" r:id="rId10"/>
+    <p:sldId id="260" r:id="rId11"/>
+    <p:sldId id="268" r:id="rId12"/>
+    <p:sldId id="261" r:id="rId13"/>
+    <p:sldId id="262" r:id="rId14"/>
+    <p:sldId id="266" r:id="rId15"/>
+    <p:sldId id="263" r:id="rId16"/>
+    <p:sldId id="269" r:id="rId17"/>
+    <p:sldId id="270" r:id="rId18"/>
+    <p:sldId id="264" r:id="rId19"/>
+    <p:sldId id="271" r:id="rId20"/>
+    <p:sldId id="272" r:id="rId21"/>
+    <p:sldId id="273" r:id="rId22"/>
+    <p:sldId id="265" r:id="rId23"/>
+    <p:sldId id="267" r:id="rId24"/>
+    <p:sldId id="274" r:id="rId25"/>
+    <p:sldId id="275" r:id="rId26"/>
+    <p:sldId id="258" r:id="rId27"/>
   </p:sldIdLst>
   <p:sldSz cx="9144000" cy="6858000" type="screen4x3"/>
   <p:notesSz cx="6858000" cy="9144000"/>
@@ -228,7 +229,7 @@
           <a:p>
             <a:fld id="{4BEF8651-3ED7-4908-89A0-BE7A233C7155}" type="datetimeFigureOut">
               <a:rPr lang="en-US" smtClean="0"/>
-              <a:t>3/25/2015</a:t>
+              <a:t>2/17/16</a:t>
             </a:fld>
             <a:endParaRPr lang="en-US"/>
           </a:p>
@@ -3142,6 +3143,128 @@
         </p:nvSpPr>
         <p:spPr/>
         <p:txBody>
+          <a:bodyPr anchor="ctr"/>
+          <a:lstStyle/>
+          <a:p>
+            <a:r>
+              <a:rPr lang="en-US" dirty="0"/>
+              <a:t>Box template (</a:t>
+            </a:r>
+            <a:r>
+              <a:rPr lang="en-US" dirty="0" err="1"/>
+              <a:t>Debian</a:t>
+            </a:r>
+            <a:r>
+              <a:rPr lang="en-US" dirty="0"/>
+              <a:t>, Ubuntu, … )</a:t>
+            </a:r>
+          </a:p>
+          <a:p>
+            <a:r>
+              <a:rPr lang="en-US" dirty="0"/>
+              <a:t>VM configuration (RAM, CPU, …)</a:t>
+            </a:r>
+          </a:p>
+          <a:p>
+            <a:r>
+              <a:rPr lang="en-US" dirty="0" smtClean="0"/>
+              <a:t>Shared folders</a:t>
+            </a:r>
+            <a:endParaRPr lang="en-US" dirty="0"/>
+          </a:p>
+          <a:p>
+            <a:r>
+              <a:rPr lang="en-US" dirty="0" smtClean="0"/>
+              <a:t>Network configuration</a:t>
+            </a:r>
+          </a:p>
+          <a:p>
+            <a:r>
+              <a:rPr lang="en-US" dirty="0"/>
+              <a:t>Port </a:t>
+            </a:r>
+            <a:r>
+              <a:rPr lang="en-US" dirty="0" smtClean="0"/>
+              <a:t>forwarding</a:t>
+            </a:r>
+            <a:endParaRPr lang="en-US" dirty="0"/>
+          </a:p>
+        </p:txBody>
+      </p:sp>
+      <p:sp>
+        <p:nvSpPr>
+          <p:cNvPr id="2" name="Title"/>
+          <p:cNvSpPr>
+            <a:spLocks noGrp="1"/>
+          </p:cNvSpPr>
+          <p:nvPr>
+            <p:ph type="title"/>
+          </p:nvPr>
+        </p:nvSpPr>
+        <p:spPr/>
+        <p:txBody>
+          <a:bodyPr>
+            <a:normAutofit/>
+          </a:bodyPr>
+          <a:lstStyle/>
+          <a:p>
+            <a:r>
+              <a:rPr lang="en-US" dirty="0" err="1" smtClean="0"/>
+              <a:t>Vagrantfile</a:t>
+            </a:r>
+            <a:endParaRPr lang="en-US" dirty="0"/>
+          </a:p>
+        </p:txBody>
+      </p:sp>
+    </p:spTree>
+    <p:extLst>
+      <p:ext uri="{BB962C8B-B14F-4D97-AF65-F5344CB8AC3E}">
+        <p14:creationId xmlns:p14="http://schemas.microsoft.com/office/powerpoint/2010/main" val="3339902037"/>
+      </p:ext>
+    </p:extLst>
+  </p:cSld>
+  <p:clrMapOvr>
+    <a:masterClrMapping/>
+  </p:clrMapOvr>
+  <p:timing>
+    <p:tnLst>
+      <p:par>
+        <p:cTn id="1" dur="indefinite" restart="never" nodeType="tmRoot"/>
+      </p:par>
+    </p:tnLst>
+  </p:timing>
+</p:sld>
+</file>
+
+<file path=ppt/slides/slide11.xml><?xml version="1.0" encoding="utf-8"?>
+<p:sld xmlns:a="http://schemas.openxmlformats.org/drawingml/2006/main" xmlns:r="http://schemas.openxmlformats.org/officeDocument/2006/relationships" xmlns:p="http://schemas.openxmlformats.org/presentationml/2006/main">
+  <p:cSld>
+    <p:spTree>
+      <p:nvGrpSpPr>
+        <p:cNvPr id="1" name=""/>
+        <p:cNvGrpSpPr/>
+        <p:nvPr/>
+      </p:nvGrpSpPr>
+      <p:grpSpPr>
+        <a:xfrm>
+          <a:off x="0" y="0"/>
+          <a:ext cx="0" cy="0"/>
+          <a:chOff x="0" y="0"/>
+          <a:chExt cx="0" cy="0"/>
+        </a:xfrm>
+      </p:grpSpPr>
+      <p:sp>
+        <p:nvSpPr>
+          <p:cNvPr id="3" name="Text"/>
+          <p:cNvSpPr>
+            <a:spLocks noGrp="1"/>
+          </p:cNvSpPr>
+          <p:nvPr>
+            <p:ph idx="1"/>
+          </p:nvPr>
+        </p:nvSpPr>
+        <p:spPr/>
+        <p:txBody>
           <a:bodyPr anchor="ctr">
             <a:normAutofit/>
           </a:bodyPr>
@@ -3742,7 +3865,7 @@
 </p:sld>
 </file>
 
-<file path=ppt/slides/slide11.xml><?xml version="1.0" encoding="utf-8"?>
+<file path=ppt/slides/slide12.xml><?xml version="1.0" encoding="utf-8"?>
 <p:sld xmlns:a="http://schemas.openxmlformats.org/drawingml/2006/main" xmlns:r="http://schemas.openxmlformats.org/officeDocument/2006/relationships" xmlns:p="http://schemas.openxmlformats.org/presentationml/2006/main">
   <p:cSld>
     <p:spTree>
@@ -3832,7 +3955,7 @@
 </p:sld>
 </file>
 
-<file path=ppt/slides/slide12.xml><?xml version="1.0" encoding="utf-8"?>
+<file path=ppt/slides/slide13.xml><?xml version="1.0" encoding="utf-8"?>
 <p:sld xmlns:a="http://schemas.openxmlformats.org/drawingml/2006/main" xmlns:r="http://schemas.openxmlformats.org/officeDocument/2006/relationships" xmlns:p="http://schemas.openxmlformats.org/presentationml/2006/main">
   <p:cSld>
     <p:spTree>
@@ -3968,7 +4091,6 @@
               <a:rPr lang="en-US" dirty="0" smtClean="0"/>
               <a:t>Puppet</a:t>
             </a:r>
-            <a:endParaRPr lang="en-US" dirty="0" smtClean="0"/>
           </a:p>
           <a:p>
             <a:r>
@@ -4014,423 +4136,6 @@
     <p:extLst>
       <p:ext uri="{BB962C8B-B14F-4D97-AF65-F5344CB8AC3E}">
         <p14:creationId xmlns:p14="http://schemas.microsoft.com/office/powerpoint/2010/main" val="3565619715"/>
-      </p:ext>
-    </p:extLst>
-  </p:cSld>
-  <p:clrMapOvr>
-    <a:masterClrMapping/>
-  </p:clrMapOvr>
-  <p:timing>
-    <p:tnLst>
-      <p:par>
-        <p:cTn id="1" dur="indefinite" restart="never" nodeType="tmRoot"/>
-      </p:par>
-    </p:tnLst>
-  </p:timing>
-</p:sld>
-</file>
-
-<file path=ppt/slides/slide13.xml><?xml version="1.0" encoding="utf-8"?>
-<p:sld xmlns:a="http://schemas.openxmlformats.org/drawingml/2006/main" xmlns:r="http://schemas.openxmlformats.org/officeDocument/2006/relationships" xmlns:p="http://schemas.openxmlformats.org/presentationml/2006/main">
-  <p:cSld>
-    <p:spTree>
-      <p:nvGrpSpPr>
-        <p:cNvPr id="1" name=""/>
-        <p:cNvGrpSpPr/>
-        <p:nvPr/>
-      </p:nvGrpSpPr>
-      <p:grpSpPr>
-        <a:xfrm>
-          <a:off x="0" y="0"/>
-          <a:ext cx="0" cy="0"/>
-          <a:chOff x="0" y="0"/>
-          <a:chExt cx="0" cy="0"/>
-        </a:xfrm>
-      </p:grpSpPr>
-      <p:sp>
-        <p:nvSpPr>
-          <p:cNvPr id="3" name="Text"/>
-          <p:cNvSpPr>
-            <a:spLocks noGrp="1"/>
-          </p:cNvSpPr>
-          <p:nvPr>
-            <p:ph idx="1"/>
-          </p:nvPr>
-        </p:nvSpPr>
-        <p:spPr>
-          <a:xfrm>
-            <a:off x="0" y="1316058"/>
-            <a:ext cx="9144000" cy="5541941"/>
-          </a:xfrm>
-        </p:spPr>
-        <p:txBody>
-          <a:bodyPr anchor="ctr">
-            <a:normAutofit fontScale="70000" lnSpcReduction="20000"/>
-          </a:bodyPr>
-          <a:lstStyle/>
-          <a:p>
-            <a:pPr marL="0" indent="0">
-              <a:buNone/>
-            </a:pPr>
-            <a:r>
-              <a:rPr lang="en-US" dirty="0">
-                <a:latin typeface="Courier New"/>
-                <a:cs typeface="Courier New"/>
-              </a:rPr>
-              <a:t>#!/bin/bash</a:t>
-            </a:r>
-          </a:p>
-          <a:p>
-            <a:pPr marL="0" indent="0">
-              <a:buNone/>
-            </a:pPr>
-            <a:endParaRPr lang="en-US" dirty="0" smtClean="0">
-              <a:latin typeface="Courier New"/>
-              <a:cs typeface="Courier New"/>
-            </a:endParaRPr>
-          </a:p>
-          <a:p>
-            <a:pPr marL="0" indent="0">
-              <a:buNone/>
-            </a:pPr>
-            <a:r>
-              <a:rPr lang="en-US" dirty="0" smtClean="0">
-                <a:latin typeface="Courier New"/>
-                <a:cs typeface="Courier New"/>
-              </a:rPr>
-              <a:t>apt-get update</a:t>
-            </a:r>
-            <a:endParaRPr lang="en-US" dirty="0">
-              <a:latin typeface="Courier New"/>
-              <a:cs typeface="Courier New"/>
-            </a:endParaRPr>
-          </a:p>
-          <a:p>
-            <a:pPr marL="0" indent="0">
-              <a:buNone/>
-            </a:pPr>
-            <a:r>
-              <a:rPr lang="en-US" dirty="0">
-                <a:latin typeface="Courier New"/>
-                <a:cs typeface="Courier New"/>
-              </a:rPr>
-              <a:t>apt-get install -y apache2 </a:t>
-            </a:r>
-            <a:r>
-              <a:rPr lang="en-US" dirty="0" smtClean="0">
-                <a:latin typeface="Courier New"/>
-                <a:cs typeface="Courier New"/>
-              </a:rPr>
-              <a:t>libapache2</a:t>
-            </a:r>
-            <a:r>
-              <a:rPr lang="en-US" dirty="0">
-                <a:latin typeface="Courier New"/>
-                <a:cs typeface="Courier New"/>
-              </a:rPr>
-              <a:t>-mod-</a:t>
-            </a:r>
-            <a:r>
-              <a:rPr lang="en-US" dirty="0" smtClean="0">
-                <a:latin typeface="Courier New"/>
-                <a:cs typeface="Courier New"/>
-              </a:rPr>
-              <a:t>php5</a:t>
-            </a:r>
-          </a:p>
-          <a:p>
-            <a:pPr marL="0" indent="0">
-              <a:buNone/>
-            </a:pPr>
-            <a:endParaRPr lang="en-US" dirty="0" smtClean="0">
-              <a:latin typeface="Courier New"/>
-              <a:cs typeface="Courier New"/>
-            </a:endParaRPr>
-          </a:p>
-          <a:p>
-            <a:pPr marL="0" indent="0">
-              <a:buNone/>
-            </a:pPr>
-            <a:r>
-              <a:rPr lang="en-US" dirty="0" smtClean="0">
-                <a:latin typeface="Courier New"/>
-                <a:cs typeface="Courier New"/>
-              </a:rPr>
-              <a:t># </a:t>
-            </a:r>
-            <a:r>
-              <a:rPr lang="en-US" dirty="0" err="1" smtClean="0">
-                <a:latin typeface="Courier New"/>
-                <a:cs typeface="Courier New"/>
-              </a:rPr>
-              <a:t>php</a:t>
-            </a:r>
-            <a:r>
-              <a:rPr lang="en-US" dirty="0" smtClean="0">
-                <a:latin typeface="Courier New"/>
-                <a:cs typeface="Courier New"/>
-              </a:rPr>
-              <a:t> configuration</a:t>
-            </a:r>
-          </a:p>
-          <a:p>
-            <a:pPr marL="0" indent="0">
-              <a:buNone/>
-            </a:pPr>
-            <a:r>
-              <a:rPr lang="en-US" dirty="0" smtClean="0">
-                <a:latin typeface="Courier New"/>
-                <a:cs typeface="Courier New"/>
-              </a:rPr>
-              <a:t>cat </a:t>
-            </a:r>
-            <a:r>
-              <a:rPr lang="en-US" dirty="0">
-                <a:latin typeface="Courier New"/>
-                <a:cs typeface="Courier New"/>
-              </a:rPr>
-              <a:t>&lt;&lt; EOF &gt; /</a:t>
-            </a:r>
-            <a:r>
-              <a:rPr lang="en-US" dirty="0" err="1">
-                <a:latin typeface="Courier New"/>
-                <a:cs typeface="Courier New"/>
-              </a:rPr>
-              <a:t>etc</a:t>
-            </a:r>
-            <a:r>
-              <a:rPr lang="en-US" dirty="0">
-                <a:latin typeface="Courier New"/>
-                <a:cs typeface="Courier New"/>
-              </a:rPr>
-              <a:t>/php5/apache2/</a:t>
-            </a:r>
-            <a:r>
-              <a:rPr lang="en-US" dirty="0" err="1">
-                <a:latin typeface="Courier New"/>
-                <a:cs typeface="Courier New"/>
-              </a:rPr>
-              <a:t>conf.d</a:t>
-            </a:r>
-            <a:r>
-              <a:rPr lang="en-US" dirty="0">
-                <a:latin typeface="Courier New"/>
-                <a:cs typeface="Courier New"/>
-              </a:rPr>
-              <a:t>/30-node.ini</a:t>
-            </a:r>
-          </a:p>
-          <a:p>
-            <a:pPr marL="0" indent="0">
-              <a:buNone/>
-            </a:pPr>
-            <a:r>
-              <a:rPr lang="en-US" dirty="0" smtClean="0">
-                <a:latin typeface="Courier New"/>
-                <a:cs typeface="Courier New"/>
-              </a:rPr>
-              <a:t>  </a:t>
-            </a:r>
-            <a:r>
-              <a:rPr lang="en-US" dirty="0" err="1" smtClean="0">
-                <a:latin typeface="Courier New"/>
-                <a:cs typeface="Courier New"/>
-              </a:rPr>
-              <a:t>date.timezone</a:t>
-            </a:r>
-            <a:r>
-              <a:rPr lang="en-US" dirty="0" smtClean="0">
-                <a:latin typeface="Courier New"/>
-                <a:cs typeface="Courier New"/>
-              </a:rPr>
-              <a:t> </a:t>
-            </a:r>
-            <a:r>
-              <a:rPr lang="en-US" dirty="0">
-                <a:latin typeface="Courier New"/>
-                <a:cs typeface="Courier New"/>
-              </a:rPr>
-              <a:t>= "Europe/Kiev"</a:t>
-            </a:r>
-          </a:p>
-          <a:p>
-            <a:pPr marL="0" indent="0">
-              <a:buNone/>
-            </a:pPr>
-            <a:r>
-              <a:rPr lang="en-US" dirty="0" smtClean="0">
-                <a:latin typeface="Courier New"/>
-                <a:cs typeface="Courier New"/>
-              </a:rPr>
-              <a:t>EOF</a:t>
-            </a:r>
-          </a:p>
-          <a:p>
-            <a:pPr marL="0" indent="0">
-              <a:buNone/>
-            </a:pPr>
-            <a:endParaRPr lang="en-US" dirty="0">
-              <a:latin typeface="Courier New"/>
-              <a:cs typeface="Courier New"/>
-            </a:endParaRPr>
-          </a:p>
-          <a:p>
-            <a:pPr marL="0" indent="0">
-              <a:buNone/>
-            </a:pPr>
-            <a:r>
-              <a:rPr lang="en-US" dirty="0" smtClean="0">
-                <a:latin typeface="Courier New"/>
-                <a:cs typeface="Courier New"/>
-              </a:rPr>
-              <a:t># apache virtual hosts</a:t>
-            </a:r>
-            <a:endParaRPr lang="en-US" dirty="0">
-              <a:latin typeface="Courier New"/>
-              <a:cs typeface="Courier New"/>
-            </a:endParaRPr>
-          </a:p>
-          <a:p>
-            <a:pPr marL="0" indent="0">
-              <a:buNone/>
-            </a:pPr>
-            <a:r>
-              <a:rPr lang="en-US" dirty="0" smtClean="0">
-                <a:latin typeface="Courier New"/>
-                <a:cs typeface="Courier New"/>
-              </a:rPr>
-              <a:t># ...</a:t>
-            </a:r>
-            <a:endParaRPr lang="en-US" dirty="0">
-              <a:latin typeface="Courier New"/>
-              <a:cs typeface="Courier New"/>
-            </a:endParaRPr>
-          </a:p>
-          <a:p>
-            <a:pPr marL="0" indent="0">
-              <a:buNone/>
-            </a:pPr>
-            <a:endParaRPr lang="en-US" dirty="0" smtClean="0">
-              <a:latin typeface="Courier New"/>
-              <a:cs typeface="Courier New"/>
-            </a:endParaRPr>
-          </a:p>
-          <a:p>
-            <a:pPr marL="0" indent="0">
-              <a:buNone/>
-            </a:pPr>
-            <a:r>
-              <a:rPr lang="en-US" dirty="0" smtClean="0">
-                <a:latin typeface="Courier New"/>
-                <a:cs typeface="Courier New"/>
-              </a:rPr>
-              <a:t>a2enmod rewrite</a:t>
-            </a:r>
-            <a:endParaRPr lang="en-US" dirty="0">
-              <a:latin typeface="Courier New"/>
-              <a:cs typeface="Courier New"/>
-            </a:endParaRPr>
-          </a:p>
-          <a:p>
-            <a:pPr marL="0" indent="0">
-              <a:buNone/>
-            </a:pPr>
-            <a:r>
-              <a:rPr lang="en-US" dirty="0">
-                <a:latin typeface="Courier New"/>
-                <a:cs typeface="Courier New"/>
-              </a:rPr>
-              <a:t>a2ensite </a:t>
-            </a:r>
-            <a:r>
-              <a:rPr lang="en-US" dirty="0" smtClean="0">
-                <a:latin typeface="Courier New"/>
-                <a:cs typeface="Courier New"/>
-              </a:rPr>
-              <a:t>&lt;your-</a:t>
-            </a:r>
-            <a:r>
-              <a:rPr lang="en-US" dirty="0" err="1" smtClean="0">
-                <a:latin typeface="Courier New"/>
-                <a:cs typeface="Courier New"/>
-              </a:rPr>
-              <a:t>vhost</a:t>
-            </a:r>
-            <a:r>
-              <a:rPr lang="en-US" dirty="0" smtClean="0">
-                <a:latin typeface="Courier New"/>
-                <a:cs typeface="Courier New"/>
-              </a:rPr>
-              <a:t>-file&gt;</a:t>
-            </a:r>
-            <a:endParaRPr lang="en-US" dirty="0">
-              <a:latin typeface="Courier New"/>
-              <a:cs typeface="Courier New"/>
-            </a:endParaRPr>
-          </a:p>
-          <a:p>
-            <a:pPr marL="0" indent="0">
-              <a:buNone/>
-            </a:pPr>
-            <a:r>
-              <a:rPr lang="en-US" dirty="0">
-                <a:latin typeface="Courier New"/>
-                <a:cs typeface="Courier New"/>
-              </a:rPr>
-              <a:t>a2dissite 000-default.conf</a:t>
-            </a:r>
-          </a:p>
-          <a:p>
-            <a:pPr marL="0" indent="0">
-              <a:buNone/>
-            </a:pPr>
-            <a:endParaRPr lang="en-US" dirty="0">
-              <a:latin typeface="Courier New"/>
-              <a:cs typeface="Courier New"/>
-            </a:endParaRPr>
-          </a:p>
-          <a:p>
-            <a:pPr marL="0" indent="0">
-              <a:buNone/>
-            </a:pPr>
-            <a:r>
-              <a:rPr lang="en-US" dirty="0">
-                <a:latin typeface="Courier New"/>
-                <a:cs typeface="Courier New"/>
-              </a:rPr>
-              <a:t>service apache2 restart</a:t>
-            </a:r>
-          </a:p>
-        </p:txBody>
-      </p:sp>
-      <p:sp>
-        <p:nvSpPr>
-          <p:cNvPr id="2" name="Title"/>
-          <p:cNvSpPr>
-            <a:spLocks noGrp="1"/>
-          </p:cNvSpPr>
-          <p:nvPr>
-            <p:ph type="title"/>
-          </p:nvPr>
-        </p:nvSpPr>
-        <p:spPr/>
-        <p:txBody>
-          <a:bodyPr>
-            <a:normAutofit/>
-          </a:bodyPr>
-          <a:lstStyle/>
-          <a:p>
-            <a:r>
-              <a:rPr lang="en-US" dirty="0"/>
-              <a:t>Provisioning</a:t>
-            </a:r>
-          </a:p>
-        </p:txBody>
-      </p:sp>
-    </p:spTree>
-    <p:extLst>
-      <p:ext uri="{BB962C8B-B14F-4D97-AF65-F5344CB8AC3E}">
-        <p14:creationId xmlns:p14="http://schemas.microsoft.com/office/powerpoint/2010/main" val="4182626532"/>
       </p:ext>
     </p:extLst>
   </p:cSld>
@@ -4477,6 +4182,423 @@
         <p:spPr>
           <a:xfrm>
             <a:off x="0" y="1316058"/>
+            <a:ext cx="9144000" cy="5541941"/>
+          </a:xfrm>
+        </p:spPr>
+        <p:txBody>
+          <a:bodyPr anchor="ctr">
+            <a:normAutofit fontScale="70000" lnSpcReduction="20000"/>
+          </a:bodyPr>
+          <a:lstStyle/>
+          <a:p>
+            <a:pPr marL="0" indent="0">
+              <a:buNone/>
+            </a:pPr>
+            <a:r>
+              <a:rPr lang="en-US" dirty="0">
+                <a:latin typeface="Courier New"/>
+                <a:cs typeface="Courier New"/>
+              </a:rPr>
+              <a:t>#!/bin/bash</a:t>
+            </a:r>
+          </a:p>
+          <a:p>
+            <a:pPr marL="0" indent="0">
+              <a:buNone/>
+            </a:pPr>
+            <a:endParaRPr lang="en-US" dirty="0" smtClean="0">
+              <a:latin typeface="Courier New"/>
+              <a:cs typeface="Courier New"/>
+            </a:endParaRPr>
+          </a:p>
+          <a:p>
+            <a:pPr marL="0" indent="0">
+              <a:buNone/>
+            </a:pPr>
+            <a:r>
+              <a:rPr lang="en-US" dirty="0" smtClean="0">
+                <a:latin typeface="Courier New"/>
+                <a:cs typeface="Courier New"/>
+              </a:rPr>
+              <a:t>apt-get update</a:t>
+            </a:r>
+            <a:endParaRPr lang="en-US" dirty="0">
+              <a:latin typeface="Courier New"/>
+              <a:cs typeface="Courier New"/>
+            </a:endParaRPr>
+          </a:p>
+          <a:p>
+            <a:pPr marL="0" indent="0">
+              <a:buNone/>
+            </a:pPr>
+            <a:r>
+              <a:rPr lang="en-US" dirty="0">
+                <a:latin typeface="Courier New"/>
+                <a:cs typeface="Courier New"/>
+              </a:rPr>
+              <a:t>apt-get install -y apache2 </a:t>
+            </a:r>
+            <a:r>
+              <a:rPr lang="en-US" dirty="0" smtClean="0">
+                <a:latin typeface="Courier New"/>
+                <a:cs typeface="Courier New"/>
+              </a:rPr>
+              <a:t>libapache2</a:t>
+            </a:r>
+            <a:r>
+              <a:rPr lang="en-US" dirty="0">
+                <a:latin typeface="Courier New"/>
+                <a:cs typeface="Courier New"/>
+              </a:rPr>
+              <a:t>-mod-</a:t>
+            </a:r>
+            <a:r>
+              <a:rPr lang="en-US" dirty="0" smtClean="0">
+                <a:latin typeface="Courier New"/>
+                <a:cs typeface="Courier New"/>
+              </a:rPr>
+              <a:t>php5</a:t>
+            </a:r>
+          </a:p>
+          <a:p>
+            <a:pPr marL="0" indent="0">
+              <a:buNone/>
+            </a:pPr>
+            <a:endParaRPr lang="en-US" dirty="0" smtClean="0">
+              <a:latin typeface="Courier New"/>
+              <a:cs typeface="Courier New"/>
+            </a:endParaRPr>
+          </a:p>
+          <a:p>
+            <a:pPr marL="0" indent="0">
+              <a:buNone/>
+            </a:pPr>
+            <a:r>
+              <a:rPr lang="en-US" dirty="0" smtClean="0">
+                <a:latin typeface="Courier New"/>
+                <a:cs typeface="Courier New"/>
+              </a:rPr>
+              <a:t># </a:t>
+            </a:r>
+            <a:r>
+              <a:rPr lang="en-US" dirty="0" err="1" smtClean="0">
+                <a:latin typeface="Courier New"/>
+                <a:cs typeface="Courier New"/>
+              </a:rPr>
+              <a:t>php</a:t>
+            </a:r>
+            <a:r>
+              <a:rPr lang="en-US" dirty="0" smtClean="0">
+                <a:latin typeface="Courier New"/>
+                <a:cs typeface="Courier New"/>
+              </a:rPr>
+              <a:t> configuration</a:t>
+            </a:r>
+          </a:p>
+          <a:p>
+            <a:pPr marL="0" indent="0">
+              <a:buNone/>
+            </a:pPr>
+            <a:r>
+              <a:rPr lang="en-US" dirty="0" smtClean="0">
+                <a:latin typeface="Courier New"/>
+                <a:cs typeface="Courier New"/>
+              </a:rPr>
+              <a:t>cat </a:t>
+            </a:r>
+            <a:r>
+              <a:rPr lang="en-US" dirty="0">
+                <a:latin typeface="Courier New"/>
+                <a:cs typeface="Courier New"/>
+              </a:rPr>
+              <a:t>&lt;&lt; EOF &gt; /</a:t>
+            </a:r>
+            <a:r>
+              <a:rPr lang="en-US" dirty="0" err="1">
+                <a:latin typeface="Courier New"/>
+                <a:cs typeface="Courier New"/>
+              </a:rPr>
+              <a:t>etc</a:t>
+            </a:r>
+            <a:r>
+              <a:rPr lang="en-US" dirty="0">
+                <a:latin typeface="Courier New"/>
+                <a:cs typeface="Courier New"/>
+              </a:rPr>
+              <a:t>/php5/apache2/</a:t>
+            </a:r>
+            <a:r>
+              <a:rPr lang="en-US" dirty="0" err="1">
+                <a:latin typeface="Courier New"/>
+                <a:cs typeface="Courier New"/>
+              </a:rPr>
+              <a:t>conf.d</a:t>
+            </a:r>
+            <a:r>
+              <a:rPr lang="en-US" dirty="0">
+                <a:latin typeface="Courier New"/>
+                <a:cs typeface="Courier New"/>
+              </a:rPr>
+              <a:t>/30-node.ini</a:t>
+            </a:r>
+          </a:p>
+          <a:p>
+            <a:pPr marL="0" indent="0">
+              <a:buNone/>
+            </a:pPr>
+            <a:r>
+              <a:rPr lang="en-US" dirty="0" smtClean="0">
+                <a:latin typeface="Courier New"/>
+                <a:cs typeface="Courier New"/>
+              </a:rPr>
+              <a:t>  </a:t>
+            </a:r>
+            <a:r>
+              <a:rPr lang="en-US" dirty="0" err="1" smtClean="0">
+                <a:latin typeface="Courier New"/>
+                <a:cs typeface="Courier New"/>
+              </a:rPr>
+              <a:t>date.timezone</a:t>
+            </a:r>
+            <a:r>
+              <a:rPr lang="en-US" dirty="0" smtClean="0">
+                <a:latin typeface="Courier New"/>
+                <a:cs typeface="Courier New"/>
+              </a:rPr>
+              <a:t> </a:t>
+            </a:r>
+            <a:r>
+              <a:rPr lang="en-US" dirty="0">
+                <a:latin typeface="Courier New"/>
+                <a:cs typeface="Courier New"/>
+              </a:rPr>
+              <a:t>= "Europe/Kiev"</a:t>
+            </a:r>
+          </a:p>
+          <a:p>
+            <a:pPr marL="0" indent="0">
+              <a:buNone/>
+            </a:pPr>
+            <a:r>
+              <a:rPr lang="en-US" dirty="0" smtClean="0">
+                <a:latin typeface="Courier New"/>
+                <a:cs typeface="Courier New"/>
+              </a:rPr>
+              <a:t>EOF</a:t>
+            </a:r>
+          </a:p>
+          <a:p>
+            <a:pPr marL="0" indent="0">
+              <a:buNone/>
+            </a:pPr>
+            <a:endParaRPr lang="en-US" dirty="0">
+              <a:latin typeface="Courier New"/>
+              <a:cs typeface="Courier New"/>
+            </a:endParaRPr>
+          </a:p>
+          <a:p>
+            <a:pPr marL="0" indent="0">
+              <a:buNone/>
+            </a:pPr>
+            <a:r>
+              <a:rPr lang="en-US" dirty="0" smtClean="0">
+                <a:latin typeface="Courier New"/>
+                <a:cs typeface="Courier New"/>
+              </a:rPr>
+              <a:t># apache virtual hosts</a:t>
+            </a:r>
+            <a:endParaRPr lang="en-US" dirty="0">
+              <a:latin typeface="Courier New"/>
+              <a:cs typeface="Courier New"/>
+            </a:endParaRPr>
+          </a:p>
+          <a:p>
+            <a:pPr marL="0" indent="0">
+              <a:buNone/>
+            </a:pPr>
+            <a:r>
+              <a:rPr lang="en-US" dirty="0" smtClean="0">
+                <a:latin typeface="Courier New"/>
+                <a:cs typeface="Courier New"/>
+              </a:rPr>
+              <a:t># ...</a:t>
+            </a:r>
+            <a:endParaRPr lang="en-US" dirty="0">
+              <a:latin typeface="Courier New"/>
+              <a:cs typeface="Courier New"/>
+            </a:endParaRPr>
+          </a:p>
+          <a:p>
+            <a:pPr marL="0" indent="0">
+              <a:buNone/>
+            </a:pPr>
+            <a:endParaRPr lang="en-US" dirty="0" smtClean="0">
+              <a:latin typeface="Courier New"/>
+              <a:cs typeface="Courier New"/>
+            </a:endParaRPr>
+          </a:p>
+          <a:p>
+            <a:pPr marL="0" indent="0">
+              <a:buNone/>
+            </a:pPr>
+            <a:r>
+              <a:rPr lang="en-US" dirty="0" smtClean="0">
+                <a:latin typeface="Courier New"/>
+                <a:cs typeface="Courier New"/>
+              </a:rPr>
+              <a:t>a2enmod rewrite</a:t>
+            </a:r>
+            <a:endParaRPr lang="en-US" dirty="0">
+              <a:latin typeface="Courier New"/>
+              <a:cs typeface="Courier New"/>
+            </a:endParaRPr>
+          </a:p>
+          <a:p>
+            <a:pPr marL="0" indent="0">
+              <a:buNone/>
+            </a:pPr>
+            <a:r>
+              <a:rPr lang="en-US" dirty="0">
+                <a:latin typeface="Courier New"/>
+                <a:cs typeface="Courier New"/>
+              </a:rPr>
+              <a:t>a2ensite </a:t>
+            </a:r>
+            <a:r>
+              <a:rPr lang="en-US" dirty="0" smtClean="0">
+                <a:latin typeface="Courier New"/>
+                <a:cs typeface="Courier New"/>
+              </a:rPr>
+              <a:t>&lt;your-</a:t>
+            </a:r>
+            <a:r>
+              <a:rPr lang="en-US" dirty="0" err="1" smtClean="0">
+                <a:latin typeface="Courier New"/>
+                <a:cs typeface="Courier New"/>
+              </a:rPr>
+              <a:t>vhost</a:t>
+            </a:r>
+            <a:r>
+              <a:rPr lang="en-US" dirty="0" smtClean="0">
+                <a:latin typeface="Courier New"/>
+                <a:cs typeface="Courier New"/>
+              </a:rPr>
+              <a:t>-file&gt;</a:t>
+            </a:r>
+            <a:endParaRPr lang="en-US" dirty="0">
+              <a:latin typeface="Courier New"/>
+              <a:cs typeface="Courier New"/>
+            </a:endParaRPr>
+          </a:p>
+          <a:p>
+            <a:pPr marL="0" indent="0">
+              <a:buNone/>
+            </a:pPr>
+            <a:r>
+              <a:rPr lang="en-US" dirty="0">
+                <a:latin typeface="Courier New"/>
+                <a:cs typeface="Courier New"/>
+              </a:rPr>
+              <a:t>a2dissite 000-default.conf</a:t>
+            </a:r>
+          </a:p>
+          <a:p>
+            <a:pPr marL="0" indent="0">
+              <a:buNone/>
+            </a:pPr>
+            <a:endParaRPr lang="en-US" dirty="0">
+              <a:latin typeface="Courier New"/>
+              <a:cs typeface="Courier New"/>
+            </a:endParaRPr>
+          </a:p>
+          <a:p>
+            <a:pPr marL="0" indent="0">
+              <a:buNone/>
+            </a:pPr>
+            <a:r>
+              <a:rPr lang="en-US" dirty="0">
+                <a:latin typeface="Courier New"/>
+                <a:cs typeface="Courier New"/>
+              </a:rPr>
+              <a:t>service apache2 restart</a:t>
+            </a:r>
+          </a:p>
+        </p:txBody>
+      </p:sp>
+      <p:sp>
+        <p:nvSpPr>
+          <p:cNvPr id="2" name="Title"/>
+          <p:cNvSpPr>
+            <a:spLocks noGrp="1"/>
+          </p:cNvSpPr>
+          <p:nvPr>
+            <p:ph type="title"/>
+          </p:nvPr>
+        </p:nvSpPr>
+        <p:spPr/>
+        <p:txBody>
+          <a:bodyPr>
+            <a:normAutofit/>
+          </a:bodyPr>
+          <a:lstStyle/>
+          <a:p>
+            <a:r>
+              <a:rPr lang="en-US" dirty="0"/>
+              <a:t>Provisioning</a:t>
+            </a:r>
+          </a:p>
+        </p:txBody>
+      </p:sp>
+    </p:spTree>
+    <p:extLst>
+      <p:ext uri="{BB962C8B-B14F-4D97-AF65-F5344CB8AC3E}">
+        <p14:creationId xmlns:p14="http://schemas.microsoft.com/office/powerpoint/2010/main" val="4182626532"/>
+      </p:ext>
+    </p:extLst>
+  </p:cSld>
+  <p:clrMapOvr>
+    <a:masterClrMapping/>
+  </p:clrMapOvr>
+  <p:timing>
+    <p:tnLst>
+      <p:par>
+        <p:cTn id="1" dur="indefinite" restart="never" nodeType="tmRoot"/>
+      </p:par>
+    </p:tnLst>
+  </p:timing>
+</p:sld>
+</file>
+
+<file path=ppt/slides/slide15.xml><?xml version="1.0" encoding="utf-8"?>
+<p:sld xmlns:a="http://schemas.openxmlformats.org/drawingml/2006/main" xmlns:r="http://schemas.openxmlformats.org/officeDocument/2006/relationships" xmlns:p="http://schemas.openxmlformats.org/presentationml/2006/main">
+  <p:cSld>
+    <p:spTree>
+      <p:nvGrpSpPr>
+        <p:cNvPr id="1" name=""/>
+        <p:cNvGrpSpPr/>
+        <p:nvPr/>
+      </p:nvGrpSpPr>
+      <p:grpSpPr>
+        <a:xfrm>
+          <a:off x="0" y="0"/>
+          <a:ext cx="0" cy="0"/>
+          <a:chOff x="0" y="0"/>
+          <a:chExt cx="0" cy="0"/>
+        </a:xfrm>
+      </p:grpSpPr>
+      <p:sp>
+        <p:nvSpPr>
+          <p:cNvPr id="3" name="Text"/>
+          <p:cNvSpPr>
+            <a:spLocks noGrp="1"/>
+          </p:cNvSpPr>
+          <p:nvPr>
+            <p:ph idx="1"/>
+          </p:nvPr>
+        </p:nvSpPr>
+        <p:spPr>
+          <a:xfrm>
+            <a:off x="0" y="1316058"/>
             <a:ext cx="9144000" cy="5541942"/>
           </a:xfrm>
         </p:spPr>
@@ -5304,7 +5426,7 @@
 </p:sld>
 </file>
 
-<file path=ppt/slides/slide15.xml><?xml version="1.0" encoding="utf-8"?>
+<file path=ppt/slides/slide16.xml><?xml version="1.0" encoding="utf-8"?>
 <p:sld xmlns:a="http://schemas.openxmlformats.org/drawingml/2006/main" xmlns:r="http://schemas.openxmlformats.org/officeDocument/2006/relationships" xmlns:p="http://schemas.openxmlformats.org/presentationml/2006/main">
   <p:cSld>
     <p:spTree>
@@ -6377,7 +6499,7 @@
 </p:sld>
 </file>
 
-<file path=ppt/slides/slide16.xml><?xml version="1.0" encoding="utf-8"?>
+<file path=ppt/slides/slide17.xml><?xml version="1.0" encoding="utf-8"?>
 <p:sld xmlns:a="http://schemas.openxmlformats.org/drawingml/2006/main" xmlns:r="http://schemas.openxmlformats.org/officeDocument/2006/relationships" xmlns:p="http://schemas.openxmlformats.org/presentationml/2006/main">
   <p:cSld>
     <p:spTree>
@@ -7061,7 +7183,7 @@
 </p:sld>
 </file>
 
-<file path=ppt/slides/slide17.xml><?xml version="1.0" encoding="utf-8"?>
+<file path=ppt/slides/slide18.xml><?xml version="1.0" encoding="utf-8"?>
 <p:sld xmlns:a="http://schemas.openxmlformats.org/drawingml/2006/main" xmlns:r="http://schemas.openxmlformats.org/officeDocument/2006/relationships" xmlns:p="http://schemas.openxmlformats.org/presentationml/2006/main">
   <p:cSld>
     <p:spTree>
@@ -7152,7 +7274,7 @@
 </p:sld>
 </file>
 
-<file path=ppt/slides/slide18.xml><?xml version="1.0" encoding="utf-8"?>
+<file path=ppt/slides/slide19.xml><?xml version="1.0" encoding="utf-8"?>
 <p:sld xmlns:a="http://schemas.openxmlformats.org/drawingml/2006/main" xmlns:r="http://schemas.openxmlformats.org/officeDocument/2006/relationships" xmlns:p="http://schemas.openxmlformats.org/presentationml/2006/main">
   <p:cSld>
     <p:spTree>
@@ -7295,66 +7417,6 @@
     <p:extLst>
       <p:ext uri="{BB962C8B-B14F-4D97-AF65-F5344CB8AC3E}">
         <p14:creationId xmlns:p14="http://schemas.microsoft.com/office/powerpoint/2010/main" val="1115140733"/>
-      </p:ext>
-    </p:extLst>
-  </p:cSld>
-  <p:clrMapOvr>
-    <a:masterClrMapping/>
-  </p:clrMapOvr>
-  <p:timing>
-    <p:tnLst>
-      <p:par>
-        <p:cTn id="1" dur="indefinite" restart="never" nodeType="tmRoot"/>
-      </p:par>
-    </p:tnLst>
-  </p:timing>
-</p:sld>
-</file>
-
-<file path=ppt/slides/slide19.xml><?xml version="1.0" encoding="utf-8"?>
-<p:sld xmlns:a="http://schemas.openxmlformats.org/drawingml/2006/main" xmlns:r="http://schemas.openxmlformats.org/officeDocument/2006/relationships" xmlns:p="http://schemas.openxmlformats.org/presentationml/2006/main">
-  <p:cSld>
-    <p:spTree>
-      <p:nvGrpSpPr>
-        <p:cNvPr id="1" name=""/>
-        <p:cNvGrpSpPr/>
-        <p:nvPr/>
-      </p:nvGrpSpPr>
-      <p:grpSpPr>
-        <a:xfrm>
-          <a:off x="0" y="0"/>
-          <a:ext cx="0" cy="0"/>
-          <a:chOff x="0" y="0"/>
-          <a:chExt cx="0" cy="0"/>
-        </a:xfrm>
-      </p:grpSpPr>
-      <p:sp>
-        <p:nvSpPr>
-          <p:cNvPr id="6" name="Title"/>
-          <p:cNvSpPr>
-            <a:spLocks noGrp="1"/>
-          </p:cNvSpPr>
-          <p:nvPr>
-            <p:ph type="title"/>
-          </p:nvPr>
-        </p:nvSpPr>
-        <p:spPr/>
-        <p:txBody>
-          <a:bodyPr/>
-          <a:lstStyle/>
-          <a:p>
-            <a:r>
-              <a:rPr lang="en-US" smtClean="0"/>
-              <a:t>One Common Goal</a:t>
-            </a:r>
-            <a:endParaRPr lang="en-US" dirty="0"/>
-          </a:p>
-        </p:txBody>
-      </p:sp>
-    </p:spTree>
-    <p:extLst>
-      <p:ext uri="{BB962C8B-B14F-4D97-AF65-F5344CB8AC3E}">
-        <p14:creationId xmlns:p14="http://schemas.microsoft.com/office/powerpoint/2010/main" val="373581781"/>
       </p:ext>
     </p:extLst>
   </p:cSld>
@@ -7400,34 +7462,134 @@
         </p:nvSpPr>
         <p:spPr/>
         <p:txBody>
-          <a:bodyPr anchor="ctr">
+          <a:bodyPr anchor="t">
             <a:normAutofit/>
           </a:bodyPr>
           <a:lstStyle/>
           <a:p>
+            <a:pPr marL="0" marR="0" lvl="0" indent="0" defTabSz="914400" eaLnBrk="1" fontAlgn="auto" latinLnBrk="0" hangingPunct="1">
+              <a:lnSpc>
+                <a:spcPct val="100000"/>
+              </a:lnSpc>
+              <a:spcBef>
+                <a:spcPts val="0"/>
+              </a:spcBef>
+              <a:spcAft>
+                <a:spcPts val="0"/>
+              </a:spcAft>
+              <a:buClrTx/>
+              <a:buSzTx/>
+              <a:buFontTx/>
+              <a:buNone/>
+              <a:tabLst/>
+              <a:defRPr/>
+            </a:pPr>
             <a:r>
               <a:rPr lang="en-US" sz="3600" dirty="0" smtClean="0"/>
-              <a:t>Vagrant – what is it?</a:t>
-            </a:r>
-          </a:p>
-          <a:p>
+              <a:t>Nikolay </a:t>
+            </a:r>
             <a:r>
               <a:rPr lang="en-US" sz="3600" dirty="0" err="1" smtClean="0"/>
-              <a:t>Vagrantfile</a:t>
+              <a:t>Labinskiy</a:t>
             </a:r>
             <a:endParaRPr lang="en-US" sz="3600" dirty="0" smtClean="0"/>
           </a:p>
           <a:p>
+            <a:pPr marL="0" marR="0" lvl="0" indent="0" defTabSz="914400" eaLnBrk="1" fontAlgn="auto" latinLnBrk="0" hangingPunct="1">
+              <a:lnSpc>
+                <a:spcPct val="100000"/>
+              </a:lnSpc>
+              <a:spcBef>
+                <a:spcPts val="0"/>
+              </a:spcBef>
+              <a:spcAft>
+                <a:spcPts val="0"/>
+              </a:spcAft>
+              <a:buClrTx/>
+              <a:buSzTx/>
+              <a:buFontTx/>
+              <a:buNone/>
+              <a:tabLst/>
+              <a:defRPr/>
+            </a:pPr>
+            <a:endParaRPr lang="en-US" sz="3600" dirty="0"/>
+          </a:p>
+          <a:p>
+            <a:pPr marL="0" marR="0" lvl="0" indent="0" defTabSz="914400" eaLnBrk="1" fontAlgn="auto" latinLnBrk="0" hangingPunct="1">
+              <a:lnSpc>
+                <a:spcPct val="100000"/>
+              </a:lnSpc>
+              <a:spcBef>
+                <a:spcPts val="0"/>
+              </a:spcBef>
+              <a:spcAft>
+                <a:spcPts val="0"/>
+              </a:spcAft>
+              <a:buClrTx/>
+              <a:buSzTx/>
+              <a:buFontTx/>
+              <a:buNone/>
+              <a:tabLst/>
+              <a:defRPr/>
+            </a:pPr>
             <a:r>
               <a:rPr lang="en-US" sz="3600" dirty="0" smtClean="0"/>
-              <a:t>Provisioning</a:t>
-            </a:r>
-          </a:p>
-          <a:p>
+              <a:t>PHP @ Levi9</a:t>
+            </a:r>
+          </a:p>
+          <a:p>
+            <a:pPr marL="0" marR="0" lvl="0" indent="0" defTabSz="914400" eaLnBrk="1" fontAlgn="auto" latinLnBrk="0" hangingPunct="1">
+              <a:lnSpc>
+                <a:spcPct val="100000"/>
+              </a:lnSpc>
+              <a:spcBef>
+                <a:spcPts val="0"/>
+              </a:spcBef>
+              <a:spcAft>
+                <a:spcPts val="0"/>
+              </a:spcAft>
+              <a:buClrTx/>
+              <a:buSzTx/>
+              <a:buFontTx/>
+              <a:buNone/>
+              <a:tabLst/>
+              <a:defRPr/>
+            </a:pPr>
+            <a:endParaRPr lang="en-US" sz="3600" dirty="0"/>
+          </a:p>
+          <a:p>
+            <a:pPr defTabSz="914400">
+              <a:spcBef>
+                <a:spcPts val="0"/>
+              </a:spcBef>
+            </a:pPr>
             <a:r>
               <a:rPr lang="en-US" sz="3600" dirty="0" smtClean="0"/>
-              <a:t>Application</a:t>
-            </a:r>
+              <a:t>Karting</a:t>
+            </a:r>
+          </a:p>
+          <a:p>
+            <a:pPr defTabSz="914400">
+              <a:spcBef>
+                <a:spcPts val="0"/>
+              </a:spcBef>
+            </a:pPr>
+            <a:r>
+              <a:rPr lang="en-US" sz="3600" dirty="0" smtClean="0"/>
+              <a:t>Arduino</a:t>
+            </a:r>
+          </a:p>
+          <a:p>
+            <a:pPr defTabSz="914400">
+              <a:spcBef>
+                <a:spcPts val="0"/>
+              </a:spcBef>
+            </a:pPr>
+            <a:r>
+              <a:rPr lang="en-US" sz="3600" dirty="0" smtClean="0"/>
+              <a:t>Raspberry Pi</a:t>
+            </a:r>
+            <a:endParaRPr lang="ru-RU" sz="3600" dirty="0" smtClean="0"/>
           </a:p>
         </p:txBody>
       </p:sp>
@@ -7448,12 +7610,137 @@
           <a:p>
             <a:r>
               <a:rPr lang="en-US" dirty="0" smtClean="0"/>
-              <a:t>Agenda</a:t>
+              <a:t>About me</a:t>
             </a:r>
             <a:endParaRPr lang="en-US" dirty="0"/>
           </a:p>
         </p:txBody>
       </p:sp>
+      <p:pic>
+        <p:nvPicPr>
+          <p:cNvPr id="4" name="Picture 3"/>
+          <p:cNvPicPr>
+            <a:picLocks noChangeAspect="1"/>
+          </p:cNvPicPr>
+          <p:nvPr/>
+        </p:nvPicPr>
+        <p:blipFill rotWithShape="1">
+          <a:blip r:embed="rId2" cstate="print">
+            <a:extLst>
+              <a:ext uri="{28A0092B-C50C-407E-A947-70E740481C1C}">
+                <a14:useLocalDpi xmlns:a14="http://schemas.microsoft.com/office/drawing/2010/main"/>
+              </a:ext>
+            </a:extLst>
+          </a:blip>
+          <a:srcRect/>
+          <a:stretch/>
+        </p:blipFill>
+        <p:spPr>
+          <a:xfrm>
+            <a:off x="4993886" y="1620000"/>
+            <a:ext cx="3692914" cy="4506686"/>
+          </a:xfrm>
+          <a:prstGeom prst="rect">
+            <a:avLst/>
+          </a:prstGeom>
+        </p:spPr>
+      </p:pic>
+      <p:pic>
+        <p:nvPicPr>
+          <p:cNvPr id="5" name="Picture 4">
+            <a:hlinkClick r:id="rId3"/>
+          </p:cNvPr>
+          <p:cNvPicPr>
+            <a:picLocks noChangeAspect="1"/>
+          </p:cNvPicPr>
+          <p:nvPr/>
+        </p:nvPicPr>
+        <p:blipFill>
+          <a:blip r:embed="rId4">
+            <a:extLst>
+              <a:ext uri="{28A0092B-C50C-407E-A947-70E740481C1C}">
+                <a14:useLocalDpi xmlns:a14="http://schemas.microsoft.com/office/drawing/2010/main" val="0"/>
+              </a:ext>
+            </a:extLst>
+          </a:blip>
+          <a:stretch>
+            <a:fillRect/>
+          </a:stretch>
+        </p:blipFill>
+        <p:spPr>
+          <a:xfrm>
+            <a:off x="666906" y="5985162"/>
+            <a:ext cx="700810" cy="700810"/>
+          </a:xfrm>
+          <a:prstGeom prst="rect">
+            <a:avLst/>
+          </a:prstGeom>
+        </p:spPr>
+      </p:pic>
+      <p:pic>
+        <p:nvPicPr>
+          <p:cNvPr id="6" name="Picture 5">
+            <a:hlinkClick r:id="rId5"/>
+          </p:cNvPr>
+          <p:cNvPicPr>
+            <a:picLocks noChangeAspect="1"/>
+          </p:cNvPicPr>
+          <p:nvPr/>
+        </p:nvPicPr>
+        <p:blipFill>
+          <a:blip r:embed="rId6">
+            <a:extLst>
+              <a:ext uri="{28A0092B-C50C-407E-A947-70E740481C1C}">
+                <a14:useLocalDpi xmlns:a14="http://schemas.microsoft.com/office/drawing/2010/main" val="0"/>
+              </a:ext>
+            </a:extLst>
+          </a:blip>
+          <a:stretch>
+            <a:fillRect/>
+          </a:stretch>
+        </p:blipFill>
+        <p:spPr>
+          <a:xfrm>
+            <a:off x="1577422" y="5985162"/>
+            <a:ext cx="700810" cy="700810"/>
+          </a:xfrm>
+          <a:prstGeom prst="rect">
+            <a:avLst/>
+          </a:prstGeom>
+        </p:spPr>
+      </p:pic>
+      <p:pic>
+        <p:nvPicPr>
+          <p:cNvPr id="7" name="Picture 6">
+            <a:hlinkClick r:id="rId7"/>
+          </p:cNvPr>
+          <p:cNvPicPr>
+            <a:picLocks noChangeAspect="1"/>
+          </p:cNvPicPr>
+          <p:nvPr/>
+        </p:nvPicPr>
+        <p:blipFill>
+          <a:blip r:embed="rId8">
+            <a:extLst>
+              <a:ext uri="{28A0092B-C50C-407E-A947-70E740481C1C}">
+                <a14:useLocalDpi xmlns:a14="http://schemas.microsoft.com/office/drawing/2010/main" val="0"/>
+              </a:ext>
+            </a:extLst>
+          </a:blip>
+          <a:stretch>
+            <a:fillRect/>
+          </a:stretch>
+        </p:blipFill>
+        <p:spPr>
+          <a:xfrm>
+            <a:off x="2487938" y="5985162"/>
+            <a:ext cx="700810" cy="700810"/>
+          </a:xfrm>
+          <a:prstGeom prst="rect">
+            <a:avLst/>
+          </a:prstGeom>
+        </p:spPr>
+      </p:pic>
     </p:spTree>
     <p:extLst>
       <p:ext uri="{BB962C8B-B14F-4D97-AF65-F5344CB8AC3E}">
@@ -7474,7 +7761,170 @@
 </p:sld>
 </file>
 
+<file path=ppt/slides/slide20.xml><?xml version="1.0" encoding="utf-8"?>
+<p:sld xmlns:a="http://schemas.openxmlformats.org/drawingml/2006/main" xmlns:r="http://schemas.openxmlformats.org/officeDocument/2006/relationships" xmlns:p="http://schemas.openxmlformats.org/presentationml/2006/main">
+  <p:cSld>
+    <p:spTree>
+      <p:nvGrpSpPr>
+        <p:cNvPr id="1" name=""/>
+        <p:cNvGrpSpPr/>
+        <p:nvPr/>
+      </p:nvGrpSpPr>
+      <p:grpSpPr>
+        <a:xfrm>
+          <a:off x="0" y="0"/>
+          <a:ext cx="0" cy="0"/>
+          <a:chOff x="0" y="0"/>
+          <a:chExt cx="0" cy="0"/>
+        </a:xfrm>
+      </p:grpSpPr>
+      <p:sp>
+        <p:nvSpPr>
+          <p:cNvPr id="6" name="Title"/>
+          <p:cNvSpPr>
+            <a:spLocks noGrp="1"/>
+          </p:cNvSpPr>
+          <p:nvPr>
+            <p:ph type="title"/>
+          </p:nvPr>
+        </p:nvSpPr>
+        <p:spPr/>
+        <p:txBody>
+          <a:bodyPr/>
+          <a:lstStyle/>
+          <a:p>
+            <a:r>
+              <a:rPr lang="en-US" smtClean="0"/>
+              <a:t>One Common Goal</a:t>
+            </a:r>
+            <a:endParaRPr lang="en-US" dirty="0"/>
+          </a:p>
+        </p:txBody>
+      </p:sp>
+    </p:spTree>
+    <p:extLst>
+      <p:ext uri="{BB962C8B-B14F-4D97-AF65-F5344CB8AC3E}">
+        <p14:creationId xmlns:p14="http://schemas.microsoft.com/office/powerpoint/2010/main" val="373581781"/>
+      </p:ext>
+    </p:extLst>
+  </p:cSld>
+  <p:clrMapOvr>
+    <a:masterClrMapping/>
+  </p:clrMapOvr>
+  <p:timing>
+    <p:tnLst>
+      <p:par>
+        <p:cTn id="1" dur="indefinite" restart="never" nodeType="tmRoot"/>
+      </p:par>
+    </p:tnLst>
+  </p:timing>
+</p:sld>
+</file>
+
 <file path=ppt/slides/slide3.xml><?xml version="1.0" encoding="utf-8"?>
+<p:sld xmlns:a="http://schemas.openxmlformats.org/drawingml/2006/main" xmlns:r="http://schemas.openxmlformats.org/officeDocument/2006/relationships" xmlns:p="http://schemas.openxmlformats.org/presentationml/2006/main">
+  <p:cSld>
+    <p:spTree>
+      <p:nvGrpSpPr>
+        <p:cNvPr id="1" name=""/>
+        <p:cNvGrpSpPr/>
+        <p:nvPr/>
+      </p:nvGrpSpPr>
+      <p:grpSpPr>
+        <a:xfrm>
+          <a:off x="0" y="0"/>
+          <a:ext cx="0" cy="0"/>
+          <a:chOff x="0" y="0"/>
+          <a:chExt cx="0" cy="0"/>
+        </a:xfrm>
+      </p:grpSpPr>
+      <p:sp>
+        <p:nvSpPr>
+          <p:cNvPr id="3" name="Text"/>
+          <p:cNvSpPr>
+            <a:spLocks noGrp="1"/>
+          </p:cNvSpPr>
+          <p:nvPr>
+            <p:ph idx="1"/>
+          </p:nvPr>
+        </p:nvSpPr>
+        <p:spPr/>
+        <p:txBody>
+          <a:bodyPr anchor="ctr">
+            <a:normAutofit/>
+          </a:bodyPr>
+          <a:lstStyle/>
+          <a:p>
+            <a:r>
+              <a:rPr lang="en-US" sz="3600" dirty="0" smtClean="0"/>
+              <a:t>Vagrant – what is it?</a:t>
+            </a:r>
+          </a:p>
+          <a:p>
+            <a:r>
+              <a:rPr lang="en-US" sz="3600" dirty="0" err="1" smtClean="0"/>
+              <a:t>Vagrantfile</a:t>
+            </a:r>
+            <a:endParaRPr lang="en-US" sz="3600" dirty="0" smtClean="0"/>
+          </a:p>
+          <a:p>
+            <a:r>
+              <a:rPr lang="en-US" sz="3600" dirty="0" smtClean="0"/>
+              <a:t>Provisioning</a:t>
+            </a:r>
+          </a:p>
+          <a:p>
+            <a:r>
+              <a:rPr lang="en-US" sz="3600" dirty="0" smtClean="0"/>
+              <a:t>Application</a:t>
+            </a:r>
+          </a:p>
+        </p:txBody>
+      </p:sp>
+      <p:sp>
+        <p:nvSpPr>
+          <p:cNvPr id="2" name="Title"/>
+          <p:cNvSpPr>
+            <a:spLocks noGrp="1"/>
+          </p:cNvSpPr>
+          <p:nvPr>
+            <p:ph type="title"/>
+          </p:nvPr>
+        </p:nvSpPr>
+        <p:spPr/>
+        <p:txBody>
+          <a:bodyPr/>
+          <a:lstStyle/>
+          <a:p>
+            <a:r>
+              <a:rPr lang="en-US" dirty="0" smtClean="0"/>
+              <a:t>Agenda</a:t>
+            </a:r>
+            <a:endParaRPr lang="en-US" dirty="0"/>
+          </a:p>
+        </p:txBody>
+      </p:sp>
+    </p:spTree>
+    <p:extLst>
+      <p:ext uri="{BB962C8B-B14F-4D97-AF65-F5344CB8AC3E}">
+        <p14:creationId xmlns:p14="http://schemas.microsoft.com/office/powerpoint/2010/main" val="829959556"/>
+      </p:ext>
+    </p:extLst>
+  </p:cSld>
+  <p:clrMapOvr>
+    <a:masterClrMapping/>
+  </p:clrMapOvr>
+  <p:timing>
+    <p:tnLst>
+      <p:par>
+        <p:cTn id="1" dur="indefinite" restart="never" nodeType="tmRoot"/>
+      </p:par>
+    </p:tnLst>
+  </p:timing>
+</p:sld>
+</file>
+
+<file path=ppt/slides/slide4.xml><?xml version="1.0" encoding="utf-8"?>
 <p:sld xmlns:a="http://schemas.openxmlformats.org/drawingml/2006/main" xmlns:r="http://schemas.openxmlformats.org/officeDocument/2006/relationships" xmlns:p="http://schemas.openxmlformats.org/presentationml/2006/main">
   <p:cSld>
     <p:spTree>
@@ -7589,7 +8039,7 @@
 </p:sld>
 </file>
 
-<file path=ppt/slides/slide4.xml><?xml version="1.0" encoding="utf-8"?>
+<file path=ppt/slides/slide5.xml><?xml version="1.0" encoding="utf-8"?>
 <p:sld xmlns:a="http://schemas.openxmlformats.org/drawingml/2006/main" xmlns:r="http://schemas.openxmlformats.org/officeDocument/2006/relationships" xmlns:p="http://schemas.openxmlformats.org/presentationml/2006/main">
   <p:cSld>
     <p:spTree>
@@ -7706,203 +8156,6 @@
     <p:extLst>
       <p:ext uri="{BB962C8B-B14F-4D97-AF65-F5344CB8AC3E}">
         <p14:creationId xmlns:p14="http://schemas.microsoft.com/office/powerpoint/2010/main" val="3944442555"/>
-      </p:ext>
-    </p:extLst>
-  </p:cSld>
-  <p:clrMapOvr>
-    <a:masterClrMapping/>
-  </p:clrMapOvr>
-  <p:timing>
-    <p:tnLst>
-      <p:par>
-        <p:cTn id="1" dur="indefinite" restart="never" nodeType="tmRoot"/>
-      </p:par>
-    </p:tnLst>
-  </p:timing>
-</p:sld>
-</file>
-
-<file path=ppt/slides/slide5.xml><?xml version="1.0" encoding="utf-8"?>
-<p:sld xmlns:a="http://schemas.openxmlformats.org/drawingml/2006/main" xmlns:r="http://schemas.openxmlformats.org/officeDocument/2006/relationships" xmlns:p="http://schemas.openxmlformats.org/presentationml/2006/main">
-  <p:cSld>
-    <p:spTree>
-      <p:nvGrpSpPr>
-        <p:cNvPr id="1" name=""/>
-        <p:cNvGrpSpPr/>
-        <p:nvPr/>
-      </p:nvGrpSpPr>
-      <p:grpSpPr>
-        <a:xfrm>
-          <a:off x="0" y="0"/>
-          <a:ext cx="0" cy="0"/>
-          <a:chOff x="0" y="0"/>
-          <a:chExt cx="0" cy="0"/>
-        </a:xfrm>
-      </p:grpSpPr>
-      <p:sp>
-        <p:nvSpPr>
-          <p:cNvPr id="3" name="Text"/>
-          <p:cNvSpPr>
-            <a:spLocks noGrp="1"/>
-          </p:cNvSpPr>
-          <p:nvPr>
-            <p:ph idx="1"/>
-          </p:nvPr>
-        </p:nvSpPr>
-        <p:spPr/>
-        <p:txBody>
-          <a:bodyPr anchor="ctr">
-            <a:normAutofit/>
-          </a:bodyPr>
-          <a:lstStyle/>
-          <a:p>
-            <a:pPr marL="0" indent="0" algn="ctr">
-              <a:buNone/>
-            </a:pPr>
-            <a:r>
-              <a:rPr lang="en-US" dirty="0"/>
-              <a:t>Existing developer </a:t>
-            </a:r>
-            <a:r>
-              <a:rPr lang="en-US" dirty="0" smtClean="0"/>
-              <a:t>with</a:t>
-            </a:r>
-          </a:p>
-          <a:p>
-            <a:pPr marL="0" indent="0" algn="ctr">
-              <a:buNone/>
-            </a:pPr>
-            <a:r>
-              <a:rPr lang="en-US" dirty="0" smtClean="0"/>
-              <a:t>(</a:t>
-            </a:r>
-            <a:r>
-              <a:rPr lang="en-US" b="1" i="1" dirty="0" smtClean="0"/>
-              <a:t>partial and not </a:t>
-            </a:r>
-            <a:r>
-              <a:rPr lang="en-US" b="1" i="1" dirty="0"/>
-              <a:t>up to date</a:t>
-            </a:r>
-            <a:r>
-              <a:rPr lang="en-US" dirty="0"/>
-              <a:t>) </a:t>
-            </a:r>
-            <a:r>
-              <a:rPr lang="en-US" dirty="0" smtClean="0"/>
-              <a:t>information</a:t>
-            </a:r>
-          </a:p>
-          <a:p>
-            <a:pPr marL="0" indent="0" algn="ctr">
-              <a:buNone/>
-            </a:pPr>
-            <a:r>
-              <a:rPr lang="en-US" dirty="0" smtClean="0"/>
-              <a:t>how </a:t>
-            </a:r>
-            <a:r>
-              <a:rPr lang="en-US" dirty="0"/>
-              <a:t>to reproduce </a:t>
-            </a:r>
-            <a:r>
-              <a:rPr lang="en-US" dirty="0" err="1"/>
-              <a:t>dev</a:t>
-            </a:r>
-            <a:r>
-              <a:rPr lang="en-US" dirty="0"/>
-              <a:t> environment</a:t>
-            </a:r>
-          </a:p>
-          <a:p>
-            <a:pPr marL="0" indent="0" algn="ctr">
-              <a:buNone/>
-            </a:pPr>
-            <a:r>
-              <a:rPr lang="en-US" dirty="0" smtClean="0"/>
-              <a:t>+</a:t>
-            </a:r>
-          </a:p>
-          <a:p>
-            <a:pPr marL="0" indent="0" algn="ctr">
-              <a:buNone/>
-            </a:pPr>
-            <a:r>
-              <a:rPr lang="en-US" dirty="0"/>
-              <a:t>New developer (</a:t>
-            </a:r>
-            <a:r>
-              <a:rPr lang="en-US" b="1" i="1" dirty="0"/>
-              <a:t>with a shiny new machine</a:t>
-            </a:r>
-            <a:r>
-              <a:rPr lang="en-US" dirty="0"/>
-              <a:t>)</a:t>
-            </a:r>
-          </a:p>
-          <a:p>
-            <a:pPr marL="0" indent="0" algn="ctr">
-              <a:buNone/>
-            </a:pPr>
-            <a:r>
-              <a:rPr lang="en-US" dirty="0" smtClean="0"/>
-              <a:t>=</a:t>
-            </a:r>
-          </a:p>
-          <a:p>
-            <a:pPr marL="0" indent="0" algn="ctr">
-              <a:buNone/>
-            </a:pPr>
-            <a:r>
-              <a:rPr lang="en-US" dirty="0" smtClean="0"/>
-              <a:t>Issues </a:t>
-            </a:r>
-            <a:r>
-              <a:rPr lang="en-US" dirty="0"/>
-              <a:t>to reproduce the same</a:t>
-            </a:r>
-            <a:br>
-              <a:rPr lang="en-US" dirty="0"/>
-            </a:br>
-            <a:r>
-              <a:rPr lang="en-US" dirty="0" err="1"/>
-              <a:t>dev</a:t>
-            </a:r>
-            <a:r>
-              <a:rPr lang="en-US" dirty="0"/>
-              <a:t> environment</a:t>
-            </a:r>
-          </a:p>
-        </p:txBody>
-      </p:sp>
-      <p:sp>
-        <p:nvSpPr>
-          <p:cNvPr id="2" name="Title"/>
-          <p:cNvSpPr>
-            <a:spLocks noGrp="1"/>
-          </p:cNvSpPr>
-          <p:nvPr>
-            <p:ph type="title"/>
-          </p:nvPr>
-        </p:nvSpPr>
-        <p:spPr/>
-        <p:txBody>
-          <a:bodyPr>
-            <a:normAutofit/>
-          </a:bodyPr>
-          <a:lstStyle/>
-          <a:p>
-            <a:r>
-              <a:rPr lang="en-US" dirty="0"/>
-              <a:t>Vagrant – what is it?</a:t>
-            </a:r>
-          </a:p>
-        </p:txBody>
-      </p:sp>
-    </p:spTree>
-    <p:extLst>
-      <p:ext uri="{BB962C8B-B14F-4D97-AF65-F5344CB8AC3E}">
-        <p14:creationId xmlns:p14="http://schemas.microsoft.com/office/powerpoint/2010/main" val="4139529332"/>
       </p:ext>
     </p:extLst>
   </p:cSld>
@@ -7957,12 +8210,37 @@
               <a:buNone/>
             </a:pPr>
             <a:r>
+              <a:rPr lang="en-US" dirty="0"/>
+              <a:t>Existing developer </a:t>
+            </a:r>
+            <a:r>
               <a:rPr lang="en-US" dirty="0" smtClean="0"/>
-              <a:t>Dev </a:t>
+              <a:t>with</a:t>
+            </a:r>
+          </a:p>
+          <a:p>
+            <a:pPr marL="0" indent="0" algn="ctr">
+              <a:buNone/>
+            </a:pPr>
+            <a:r>
+              <a:rPr lang="en-US" dirty="0" smtClean="0"/>
+              <a:t>(</a:t>
+            </a:r>
+            <a:r>
+              <a:rPr lang="en-US" b="1" i="1" dirty="0" smtClean="0"/>
+              <a:t>partial and not </a:t>
+            </a:r>
+            <a:r>
+              <a:rPr lang="en-US" b="1" i="1" dirty="0"/>
+              <a:t>up to date</a:t>
             </a:r>
             <a:r>
               <a:rPr lang="en-US" dirty="0"/>
-              <a:t>environment</a:t>
+              <a:t>) </a:t>
+            </a:r>
+            <a:r>
+              <a:rPr lang="en-US" dirty="0" smtClean="0"/>
+              <a:t>information</a:t>
             </a:r>
           </a:p>
           <a:p>
@@ -7971,7 +8249,19 @@
             </a:pPr>
             <a:r>
               <a:rPr lang="en-US" dirty="0" smtClean="0"/>
-              <a:t>!=</a:t>
+              <a:t>how </a:t>
+            </a:r>
+            <a:r>
+              <a:rPr lang="en-US" dirty="0"/>
+              <a:t>to reproduce </a:t>
+            </a:r>
+            <a:r>
+              <a:rPr lang="en-US" dirty="0" err="1"/>
+              <a:t>dev</a:t>
+            </a:r>
+            <a:r>
+              <a:rPr lang="en-US" dirty="0"/>
+              <a:t> environment</a:t>
             </a:r>
           </a:p>
           <a:p>
@@ -7980,11 +8270,24 @@
             </a:pPr>
             <a:r>
               <a:rPr lang="en-US" dirty="0" smtClean="0"/>
-              <a:t>Production/acceptance </a:t>
-            </a:r>
+              <a:t>+</a:t>
+            </a:r>
+          </a:p>
+          <a:p>
+            <a:pPr marL="0" indent="0" algn="ctr">
+              <a:buNone/>
+            </a:pPr>
             <a:r>
               <a:rPr lang="en-US" dirty="0"/>
-              <a:t>environment</a:t>
+              <a:t>New developer (</a:t>
+            </a:r>
+            <a:r>
+              <a:rPr lang="en-US" b="1" i="1" dirty="0"/>
+              <a:t>with a shiny new machine</a:t>
+            </a:r>
+            <a:r>
+              <a:rPr lang="en-US" dirty="0"/>
+              <a:t>)</a:t>
             </a:r>
           </a:p>
           <a:p>
@@ -8001,8 +8304,23 @@
               <a:buNone/>
             </a:pPr>
             <a:r>
+              <a:rPr lang="en-US" dirty="0" smtClean="0"/>
+              <a:t>Issues </a:t>
+            </a:r>
+            <a:r>
               <a:rPr lang="en-US" dirty="0"/>
-              <a:t>Works on my machine!11 issues</a:t>
+              <a:t>to reproduce the same</a:t>
+            </a:r>
+            <a:br>
+              <a:rPr lang="en-US" dirty="0"/>
+            </a:br>
+            <a:r>
+              <a:rPr lang="en-US" dirty="0" err="1"/>
+              <a:t>dev</a:t>
+            </a:r>
+            <a:r>
+              <a:rPr lang="en-US" dirty="0"/>
+              <a:t> environment</a:t>
             </a:r>
           </a:p>
         </p:txBody>
@@ -8034,7 +8352,7 @@
     </p:spTree>
     <p:extLst>
       <p:ext uri="{BB962C8B-B14F-4D97-AF65-F5344CB8AC3E}">
-        <p14:creationId xmlns:p14="http://schemas.microsoft.com/office/powerpoint/2010/main" val="2314160378"/>
+        <p14:creationId xmlns:p14="http://schemas.microsoft.com/office/powerpoint/2010/main" val="4139529332"/>
       </p:ext>
     </p:extLst>
   </p:cSld>
@@ -8089,42 +8407,53 @@
               <a:buNone/>
             </a:pPr>
             <a:r>
-              <a:rPr lang="en-US" sz="6000" dirty="0" smtClean="0"/>
-              <a:t>Vagrant == VMM CLI</a:t>
-            </a:r>
-          </a:p>
-          <a:p>
-            <a:endParaRPr lang="en-US" dirty="0" smtClean="0"/>
-          </a:p>
-          <a:p>
-            <a:r>
               <a:rPr lang="en-US" dirty="0" smtClean="0"/>
-              <a:t>vagrant up</a:t>
-            </a:r>
-          </a:p>
-          <a:p>
+              <a:t>Dev </a:t>
+            </a:r>
+            <a:r>
+              <a:rPr lang="en-US" dirty="0"/>
+              <a:t>environment</a:t>
+            </a:r>
+          </a:p>
+          <a:p>
+            <a:pPr marL="0" indent="0" algn="ctr">
+              <a:buNone/>
+            </a:pPr>
             <a:r>
               <a:rPr lang="en-US" dirty="0" smtClean="0"/>
-              <a:t>vagrant provision</a:t>
-            </a:r>
-          </a:p>
-          <a:p>
-            <a:r>
-              <a:rPr lang="en-US" smtClean="0"/>
-              <a:t>vagrant </a:t>
-            </a:r>
-            <a:r>
-              <a:rPr lang="en-US" dirty="0" err="1" smtClean="0"/>
-              <a:t>ssh</a:t>
-            </a:r>
-            <a:endParaRPr lang="en-US" dirty="0" smtClean="0"/>
-          </a:p>
-          <a:p>
+              <a:t>!=</a:t>
+            </a:r>
+          </a:p>
+          <a:p>
+            <a:pPr marL="0" indent="0" algn="ctr">
+              <a:buNone/>
+            </a:pPr>
             <a:r>
               <a:rPr lang="en-US" dirty="0" smtClean="0"/>
-              <a:t>vagrant halt</a:t>
-            </a:r>
-            <a:endParaRPr lang="en-US" dirty="0"/>
+              <a:t>Production/acceptance </a:t>
+            </a:r>
+            <a:r>
+              <a:rPr lang="en-US" dirty="0"/>
+              <a:t>environment</a:t>
+            </a:r>
+          </a:p>
+          <a:p>
+            <a:pPr marL="0" indent="0" algn="ctr">
+              <a:buNone/>
+            </a:pPr>
+            <a:r>
+              <a:rPr lang="en-US" dirty="0" smtClean="0"/>
+              <a:t>=</a:t>
+            </a:r>
+          </a:p>
+          <a:p>
+            <a:pPr marL="0" indent="0" algn="ctr">
+              <a:buNone/>
+            </a:pPr>
+            <a:r>
+              <a:rPr lang="en-US" dirty="0"/>
+              <a:t>Works on my machine!11 issues</a:t>
+            </a:r>
           </a:p>
         </p:txBody>
       </p:sp>
@@ -8155,7 +8484,7 @@
     </p:spTree>
     <p:extLst>
       <p:ext uri="{BB962C8B-B14F-4D97-AF65-F5344CB8AC3E}">
-        <p14:creationId xmlns:p14="http://schemas.microsoft.com/office/powerpoint/2010/main" val="3329156454"/>
+        <p14:creationId xmlns:p14="http://schemas.microsoft.com/office/powerpoint/2010/main" val="2314160378"/>
       </p:ext>
     </p:extLst>
   </p:cSld>
@@ -8191,6 +8520,127 @@
       </p:grpSpPr>
       <p:sp>
         <p:nvSpPr>
+          <p:cNvPr id="3" name="Text"/>
+          <p:cNvSpPr>
+            <a:spLocks noGrp="1"/>
+          </p:cNvSpPr>
+          <p:nvPr>
+            <p:ph idx="1"/>
+          </p:nvPr>
+        </p:nvSpPr>
+        <p:spPr/>
+        <p:txBody>
+          <a:bodyPr anchor="ctr">
+            <a:normAutofit/>
+          </a:bodyPr>
+          <a:lstStyle/>
+          <a:p>
+            <a:pPr marL="0" indent="0" algn="ctr">
+              <a:buNone/>
+            </a:pPr>
+            <a:r>
+              <a:rPr lang="en-US" sz="6000" dirty="0" smtClean="0"/>
+              <a:t>Vagrant == VMM CLI</a:t>
+            </a:r>
+          </a:p>
+          <a:p>
+            <a:endParaRPr lang="en-US" dirty="0" smtClean="0"/>
+          </a:p>
+          <a:p>
+            <a:r>
+              <a:rPr lang="en-US" dirty="0" smtClean="0"/>
+              <a:t>vagrant up</a:t>
+            </a:r>
+          </a:p>
+          <a:p>
+            <a:r>
+              <a:rPr lang="en-US" dirty="0" smtClean="0"/>
+              <a:t>vagrant provision</a:t>
+            </a:r>
+          </a:p>
+          <a:p>
+            <a:r>
+              <a:rPr lang="en-US" smtClean="0"/>
+              <a:t>vagrant </a:t>
+            </a:r>
+            <a:r>
+              <a:rPr lang="en-US" dirty="0" err="1" smtClean="0"/>
+              <a:t>ssh</a:t>
+            </a:r>
+            <a:endParaRPr lang="en-US" dirty="0" smtClean="0"/>
+          </a:p>
+          <a:p>
+            <a:r>
+              <a:rPr lang="en-US" dirty="0" smtClean="0"/>
+              <a:t>vagrant halt</a:t>
+            </a:r>
+            <a:endParaRPr lang="en-US" dirty="0"/>
+          </a:p>
+        </p:txBody>
+      </p:sp>
+      <p:sp>
+        <p:nvSpPr>
+          <p:cNvPr id="2" name="Title"/>
+          <p:cNvSpPr>
+            <a:spLocks noGrp="1"/>
+          </p:cNvSpPr>
+          <p:nvPr>
+            <p:ph type="title"/>
+          </p:nvPr>
+        </p:nvSpPr>
+        <p:spPr/>
+        <p:txBody>
+          <a:bodyPr>
+            <a:normAutofit/>
+          </a:bodyPr>
+          <a:lstStyle/>
+          <a:p>
+            <a:r>
+              <a:rPr lang="en-US" dirty="0"/>
+              <a:t>Vagrant – what is it?</a:t>
+            </a:r>
+          </a:p>
+        </p:txBody>
+      </p:sp>
+    </p:spTree>
+    <p:extLst>
+      <p:ext uri="{BB962C8B-B14F-4D97-AF65-F5344CB8AC3E}">
+        <p14:creationId xmlns:p14="http://schemas.microsoft.com/office/powerpoint/2010/main" val="3329156454"/>
+      </p:ext>
+    </p:extLst>
+  </p:cSld>
+  <p:clrMapOvr>
+    <a:masterClrMapping/>
+  </p:clrMapOvr>
+  <p:timing>
+    <p:tnLst>
+      <p:par>
+        <p:cTn id="1" dur="indefinite" restart="never" nodeType="tmRoot"/>
+      </p:par>
+    </p:tnLst>
+  </p:timing>
+</p:sld>
+</file>
+
+<file path=ppt/slides/slide9.xml><?xml version="1.0" encoding="utf-8"?>
+<p:sld xmlns:a="http://schemas.openxmlformats.org/drawingml/2006/main" xmlns:r="http://schemas.openxmlformats.org/officeDocument/2006/relationships" xmlns:p="http://schemas.openxmlformats.org/presentationml/2006/main">
+  <p:cSld>
+    <p:spTree>
+      <p:nvGrpSpPr>
+        <p:cNvPr id="1" name=""/>
+        <p:cNvGrpSpPr/>
+        <p:nvPr/>
+      </p:nvGrpSpPr>
+      <p:grpSpPr>
+        <a:xfrm>
+          <a:off x="0" y="0"/>
+          <a:ext cx="0" cy="0"/>
+          <a:chOff x="0" y="0"/>
+          <a:chExt cx="0" cy="0"/>
+        </a:xfrm>
+      </p:grpSpPr>
+      <p:sp>
+        <p:nvSpPr>
           <p:cNvPr id="2" name="Title"/>
           <p:cNvSpPr>
             <a:spLocks noGrp="1"/>
@@ -8247,128 +8697,6 @@
     <p:extLst>
       <p:ext uri="{BB962C8B-B14F-4D97-AF65-F5344CB8AC3E}">
         <p14:creationId xmlns:p14="http://schemas.microsoft.com/office/powerpoint/2010/main" val="202348711"/>
-      </p:ext>
-    </p:extLst>
-  </p:cSld>
-  <p:clrMapOvr>
-    <a:masterClrMapping/>
-  </p:clrMapOvr>
-  <p:timing>
-    <p:tnLst>
-      <p:par>
-        <p:cTn id="1" dur="indefinite" restart="never" nodeType="tmRoot"/>
-      </p:par>
-    </p:tnLst>
-  </p:timing>
-</p:sld>
-</file>
-
-<file path=ppt/slides/slide9.xml><?xml version="1.0" encoding="utf-8"?>
-<p:sld xmlns:a="http://schemas.openxmlformats.org/drawingml/2006/main" xmlns:r="http://schemas.openxmlformats.org/officeDocument/2006/relationships" xmlns:p="http://schemas.openxmlformats.org/presentationml/2006/main">
-  <p:cSld>
-    <p:spTree>
-      <p:nvGrpSpPr>
-        <p:cNvPr id="1" name=""/>
-        <p:cNvGrpSpPr/>
-        <p:nvPr/>
-      </p:nvGrpSpPr>
-      <p:grpSpPr>
-        <a:xfrm>
-          <a:off x="0" y="0"/>
-          <a:ext cx="0" cy="0"/>
-          <a:chOff x="0" y="0"/>
-          <a:chExt cx="0" cy="0"/>
-        </a:xfrm>
-      </p:grpSpPr>
-      <p:sp>
-        <p:nvSpPr>
-          <p:cNvPr id="3" name="Text"/>
-          <p:cNvSpPr>
-            <a:spLocks noGrp="1"/>
-          </p:cNvSpPr>
-          <p:nvPr>
-            <p:ph idx="1"/>
-          </p:nvPr>
-        </p:nvSpPr>
-        <p:spPr/>
-        <p:txBody>
-          <a:bodyPr anchor="ctr"/>
-          <a:lstStyle/>
-          <a:p>
-            <a:r>
-              <a:rPr lang="en-US" dirty="0"/>
-              <a:t>Box template (</a:t>
-            </a:r>
-            <a:r>
-              <a:rPr lang="en-US" dirty="0" err="1"/>
-              <a:t>Debian</a:t>
-            </a:r>
-            <a:r>
-              <a:rPr lang="en-US" dirty="0"/>
-              <a:t>, Ubuntu, … )</a:t>
-            </a:r>
-          </a:p>
-          <a:p>
-            <a:r>
-              <a:rPr lang="en-US" dirty="0"/>
-              <a:t>VM configuration (RAM, CPU, …)</a:t>
-            </a:r>
-          </a:p>
-          <a:p>
-            <a:r>
-              <a:rPr lang="en-US" dirty="0" smtClean="0"/>
-              <a:t>Shared folders</a:t>
-            </a:r>
-            <a:endParaRPr lang="en-US" dirty="0"/>
-          </a:p>
-          <a:p>
-            <a:r>
-              <a:rPr lang="en-US" dirty="0" smtClean="0"/>
-              <a:t>Network configuration</a:t>
-            </a:r>
-          </a:p>
-          <a:p>
-            <a:r>
-              <a:rPr lang="en-US" dirty="0"/>
-              <a:t>Port </a:t>
-            </a:r>
-            <a:r>
-              <a:rPr lang="en-US" dirty="0" smtClean="0"/>
-              <a:t>forwarding</a:t>
-            </a:r>
-            <a:endParaRPr lang="en-US" dirty="0"/>
-          </a:p>
-        </p:txBody>
-      </p:sp>
-      <p:sp>
-        <p:nvSpPr>
-          <p:cNvPr id="2" name="Title"/>
-          <p:cNvSpPr>
-            <a:spLocks noGrp="1"/>
-          </p:cNvSpPr>
-          <p:nvPr>
-            <p:ph type="title"/>
-          </p:nvPr>
-        </p:nvSpPr>
-        <p:spPr/>
-        <p:txBody>
-          <a:bodyPr>
-            <a:normAutofit/>
-          </a:bodyPr>
-          <a:lstStyle/>
-          <a:p>
-            <a:r>
-              <a:rPr lang="en-US" dirty="0" err="1" smtClean="0"/>
-              <a:t>Vagrantfile</a:t>
-            </a:r>
-            <a:endParaRPr lang="en-US" dirty="0"/>
-          </a:p>
-        </p:txBody>
-      </p:sp>
-    </p:spTree>
-    <p:extLst>
-      <p:ext uri="{BB962C8B-B14F-4D97-AF65-F5344CB8AC3E}">
-        <p14:creationId xmlns:p14="http://schemas.microsoft.com/office/powerpoint/2010/main" val="3339902037"/>
       </p:ext>
     </p:extLst>
   </p:cSld>
